--- a/PointLine/sample/icons.pptx
+++ b/PointLine/sample/icons.pptx
@@ -7,6 +7,7 @@
   <p:sldIdLst>
     <p:sldId id="256" r:id="rId2"/>
     <p:sldId id="257" r:id="rId3"/>
+    <p:sldId id="258" r:id="rId4"/>
   </p:sldIdLst>
   <p:sldSz cx="12192000" cy="6858000"/>
   <p:notesSz cx="6858000" cy="9144000"/>
@@ -105,6 +106,11 @@
       </a:defRPr>
     </a:lvl9pPr>
   </p:defaultTextStyle>
+  <p:extLst>
+    <p:ext uri="{EFAFB233-063F-42B5-8137-9DF3F51BA10A}">
+      <p15:sldGuideLst xmlns:p15="http://schemas.microsoft.com/office/powerpoint/2012/main"/>
+    </p:ext>
+  </p:extLst>
 </p:presentation>
 </file>
 
@@ -255,7 +261,7 @@
           <a:p>
             <a:fld id="{79E884F4-ABE8-4DC4-9443-BECE14186BBD}" type="datetimeFigureOut">
               <a:rPr kumimoji="1" lang="ja-JP" altLang="en-US" smtClean="0"/>
-              <a:t>2024/2/20</a:t>
+              <a:t>2024/2/23</a:t>
             </a:fld>
             <a:endParaRPr kumimoji="1" lang="ja-JP" altLang="en-US"/>
           </a:p>
@@ -485,7 +491,7 @@
           <a:p>
             <a:fld id="{79E884F4-ABE8-4DC4-9443-BECE14186BBD}" type="datetimeFigureOut">
               <a:rPr kumimoji="1" lang="ja-JP" altLang="en-US" smtClean="0"/>
-              <a:t>2024/2/20</a:t>
+              <a:t>2024/2/23</a:t>
             </a:fld>
             <a:endParaRPr kumimoji="1" lang="ja-JP" altLang="en-US"/>
           </a:p>
@@ -725,7 +731,7 @@
           <a:p>
             <a:fld id="{79E884F4-ABE8-4DC4-9443-BECE14186BBD}" type="datetimeFigureOut">
               <a:rPr kumimoji="1" lang="ja-JP" altLang="en-US" smtClean="0"/>
-              <a:t>2024/2/20</a:t>
+              <a:t>2024/2/23</a:t>
             </a:fld>
             <a:endParaRPr kumimoji="1" lang="ja-JP" altLang="en-US"/>
           </a:p>
@@ -955,7 +961,7 @@
           <a:p>
             <a:fld id="{79E884F4-ABE8-4DC4-9443-BECE14186BBD}" type="datetimeFigureOut">
               <a:rPr kumimoji="1" lang="ja-JP" altLang="en-US" smtClean="0"/>
-              <a:t>2024/2/20</a:t>
+              <a:t>2024/2/23</a:t>
             </a:fld>
             <a:endParaRPr kumimoji="1" lang="ja-JP" altLang="en-US"/>
           </a:p>
@@ -1230,7 +1236,7 @@
           <a:p>
             <a:fld id="{79E884F4-ABE8-4DC4-9443-BECE14186BBD}" type="datetimeFigureOut">
               <a:rPr kumimoji="1" lang="ja-JP" altLang="en-US" smtClean="0"/>
-              <a:t>2024/2/20</a:t>
+              <a:t>2024/2/23</a:t>
             </a:fld>
             <a:endParaRPr kumimoji="1" lang="ja-JP" altLang="en-US"/>
           </a:p>
@@ -1559,7 +1565,7 @@
           <a:p>
             <a:fld id="{79E884F4-ABE8-4DC4-9443-BECE14186BBD}" type="datetimeFigureOut">
               <a:rPr kumimoji="1" lang="ja-JP" altLang="en-US" smtClean="0"/>
-              <a:t>2024/2/20</a:t>
+              <a:t>2024/2/23</a:t>
             </a:fld>
             <a:endParaRPr kumimoji="1" lang="ja-JP" altLang="en-US"/>
           </a:p>
@@ -2035,7 +2041,7 @@
           <a:p>
             <a:fld id="{79E884F4-ABE8-4DC4-9443-BECE14186BBD}" type="datetimeFigureOut">
               <a:rPr kumimoji="1" lang="ja-JP" altLang="en-US" smtClean="0"/>
-              <a:t>2024/2/20</a:t>
+              <a:t>2024/2/23</a:t>
             </a:fld>
             <a:endParaRPr kumimoji="1" lang="ja-JP" altLang="en-US"/>
           </a:p>
@@ -2176,7 +2182,7 @@
           <a:p>
             <a:fld id="{79E884F4-ABE8-4DC4-9443-BECE14186BBD}" type="datetimeFigureOut">
               <a:rPr kumimoji="1" lang="ja-JP" altLang="en-US" smtClean="0"/>
-              <a:t>2024/2/20</a:t>
+              <a:t>2024/2/23</a:t>
             </a:fld>
             <a:endParaRPr kumimoji="1" lang="ja-JP" altLang="en-US"/>
           </a:p>
@@ -2289,7 +2295,7 @@
           <a:p>
             <a:fld id="{79E884F4-ABE8-4DC4-9443-BECE14186BBD}" type="datetimeFigureOut">
               <a:rPr kumimoji="1" lang="ja-JP" altLang="en-US" smtClean="0"/>
-              <a:t>2024/2/20</a:t>
+              <a:t>2024/2/23</a:t>
             </a:fld>
             <a:endParaRPr kumimoji="1" lang="ja-JP" altLang="en-US"/>
           </a:p>
@@ -2632,7 +2638,7 @@
           <a:p>
             <a:fld id="{79E884F4-ABE8-4DC4-9443-BECE14186BBD}" type="datetimeFigureOut">
               <a:rPr kumimoji="1" lang="ja-JP" altLang="en-US" smtClean="0"/>
-              <a:t>2024/2/20</a:t>
+              <a:t>2024/2/23</a:t>
             </a:fld>
             <a:endParaRPr kumimoji="1" lang="ja-JP" altLang="en-US"/>
           </a:p>
@@ -2920,7 +2926,7 @@
           <a:p>
             <a:fld id="{79E884F4-ABE8-4DC4-9443-BECE14186BBD}" type="datetimeFigureOut">
               <a:rPr kumimoji="1" lang="ja-JP" altLang="en-US" smtClean="0"/>
-              <a:t>2024/2/20</a:t>
+              <a:t>2024/2/23</a:t>
             </a:fld>
             <a:endParaRPr kumimoji="1" lang="ja-JP" altLang="en-US"/>
           </a:p>
@@ -3193,7 +3199,7 @@
           <a:p>
             <a:fld id="{79E884F4-ABE8-4DC4-9443-BECE14186BBD}" type="datetimeFigureOut">
               <a:rPr kumimoji="1" lang="ja-JP" altLang="en-US" smtClean="0"/>
-              <a:t>2024/2/20</a:t>
+              <a:t>2024/2/23</a:t>
             </a:fld>
             <a:endParaRPr kumimoji="1" lang="ja-JP" altLang="en-US"/>
           </a:p>
@@ -3704,7 +3710,7 @@
         </p:nvSpPr>
         <p:spPr>
           <a:xfrm>
-            <a:off x="5748867" y="2512209"/>
+            <a:off x="6883401" y="2474055"/>
             <a:ext cx="3413760" cy="3319272"/>
           </a:xfrm>
           <a:prstGeom prst="rect">
@@ -3827,8 +3833,8 @@
         </p:nvSpPr>
         <p:spPr>
           <a:xfrm>
-            <a:off x="1075426" y="2876868"/>
-            <a:ext cx="2539682" cy="2539682"/>
+            <a:off x="1467159" y="3578526"/>
+            <a:ext cx="1440000" cy="1440000"/>
           </a:xfrm>
           <a:prstGeom prst="roundRect">
             <a:avLst/>
@@ -3879,8 +3885,8 @@
         </p:nvSpPr>
         <p:spPr>
           <a:xfrm>
-            <a:off x="1758631" y="2242818"/>
-            <a:ext cx="2214033" cy="2214033"/>
+            <a:off x="1903451" y="2877135"/>
+            <a:ext cx="1685873" cy="1685873"/>
           </a:xfrm>
           <a:prstGeom prst="ellipse">
             <a:avLst/>
@@ -3926,13 +3932,15 @@
               </a:ext>
             </a:extLst>
           </p:cNvPr>
-          <p:cNvCxnSpPr/>
+          <p:cNvCxnSpPr>
+            <a:cxnSpLocks/>
+          </p:cNvCxnSpPr>
           <p:nvPr/>
         </p:nvCxnSpPr>
         <p:spPr>
           <a:xfrm flipH="1">
-            <a:off x="1998133" y="2726267"/>
-            <a:ext cx="618067" cy="2912533"/>
+            <a:off x="2072172" y="3429000"/>
+            <a:ext cx="394902" cy="1860907"/>
           </a:xfrm>
           <a:prstGeom prst="line">
             <a:avLst/>
@@ -3972,7 +3980,7 @@
         </p:nvSpPr>
         <p:spPr>
           <a:xfrm>
-            <a:off x="2125133" y="4140200"/>
+            <a:off x="2118097" y="4254181"/>
             <a:ext cx="316652" cy="316652"/>
           </a:xfrm>
           <a:prstGeom prst="ellipse">
@@ -4024,8 +4032,8 @@
         </p:nvSpPr>
         <p:spPr>
           <a:xfrm>
-            <a:off x="6185906" y="2908513"/>
-            <a:ext cx="2539682" cy="2539682"/>
+            <a:off x="7570494" y="3429000"/>
+            <a:ext cx="1440000" cy="1440000"/>
           </a:xfrm>
           <a:prstGeom prst="roundRect">
             <a:avLst/>
@@ -4076,8 +4084,8 @@
         </p:nvSpPr>
         <p:spPr>
           <a:xfrm>
-            <a:off x="6829214" y="2238271"/>
-            <a:ext cx="2214033" cy="2214033"/>
+            <a:off x="8035084" y="2877942"/>
+            <a:ext cx="1440000" cy="1440000"/>
           </a:xfrm>
           <a:prstGeom prst="ellipse">
             <a:avLst/>
@@ -4128,8 +4136,8 @@
         </p:nvSpPr>
         <p:spPr>
           <a:xfrm>
-            <a:off x="7353988" y="2824058"/>
-            <a:ext cx="3556000" cy="3556000"/>
+            <a:off x="8488522" y="2785904"/>
+            <a:ext cx="2737818" cy="2737818"/>
           </a:xfrm>
           <a:prstGeom prst="ellipse">
             <a:avLst/>
@@ -4180,7 +4188,7 @@
         </p:nvSpPr>
         <p:spPr>
           <a:xfrm>
-            <a:off x="7235613" y="4171845"/>
+            <a:off x="8370147" y="4133691"/>
             <a:ext cx="316652" cy="316652"/>
           </a:xfrm>
           <a:prstGeom prst="ellipse">
@@ -4232,7 +4240,7 @@
         </p:nvSpPr>
         <p:spPr>
           <a:xfrm>
-            <a:off x="1361176" y="4254181"/>
+            <a:off x="1564514" y="4336517"/>
             <a:ext cx="478208" cy="468632"/>
           </a:xfrm>
           <a:prstGeom prst="plus">
@@ -4288,7 +4296,7 @@
         </p:nvSpPr>
         <p:spPr>
           <a:xfrm>
-            <a:off x="6495018" y="4367742"/>
+            <a:off x="7742965" y="4253197"/>
             <a:ext cx="478208" cy="468632"/>
           </a:xfrm>
           <a:prstGeom prst="plus">
@@ -4330,10 +4338,935 @@
           </a:p>
         </p:txBody>
       </p:sp>
+      <p:sp>
+        <p:nvSpPr>
+          <p:cNvPr id="17" name="四角形: 角を丸くする 16">
+            <a:extLst>
+              <a:ext uri="{FF2B5EF4-FFF2-40B4-BE49-F238E27FC236}">
+                <a16:creationId xmlns:a16="http://schemas.microsoft.com/office/drawing/2014/main" id="{3DC6C3AB-226F-4EEE-80A5-367701CEB70F}"/>
+              </a:ext>
+            </a:extLst>
+          </p:cNvPr>
+          <p:cNvSpPr/>
+          <p:nvPr/>
+        </p:nvSpPr>
+        <p:spPr>
+          <a:xfrm>
+            <a:off x="4984387" y="5123016"/>
+            <a:ext cx="1440000" cy="1440000"/>
+          </a:xfrm>
+          <a:prstGeom prst="roundRect">
+            <a:avLst/>
+          </a:prstGeom>
+          <a:solidFill>
+            <a:srgbClr val="6EA647"/>
+          </a:solidFill>
+          <a:ln>
+            <a:noFill/>
+          </a:ln>
+        </p:spPr>
+        <p:style>
+          <a:lnRef idx="2">
+            <a:schemeClr val="accent1">
+              <a:shade val="50000"/>
+            </a:schemeClr>
+          </a:lnRef>
+          <a:fillRef idx="1">
+            <a:schemeClr val="accent1"/>
+          </a:fillRef>
+          <a:effectRef idx="0">
+            <a:schemeClr val="accent1"/>
+          </a:effectRef>
+          <a:fontRef idx="minor">
+            <a:schemeClr val="lt1"/>
+          </a:fontRef>
+        </p:style>
+        <p:txBody>
+          <a:bodyPr rtlCol="0" anchor="ctr"/>
+          <a:lstStyle/>
+          <a:p>
+            <a:pPr algn="ctr"/>
+            <a:endParaRPr kumimoji="1" lang="ja-JP" altLang="en-US"/>
+          </a:p>
+        </p:txBody>
+      </p:sp>
     </p:spTree>
     <p:extLst>
       <p:ext uri="{BB962C8B-B14F-4D97-AF65-F5344CB8AC3E}">
         <p14:creationId xmlns:p14="http://schemas.microsoft.com/office/powerpoint/2010/main" val="3353594192"/>
+      </p:ext>
+    </p:extLst>
+  </p:cSld>
+  <p:clrMapOvr>
+    <a:masterClrMapping/>
+  </p:clrMapOvr>
+</p:sld>
+</file>
+
+<file path=ppt/slides/slide3.xml><?xml version="1.0" encoding="utf-8"?>
+<p:sld xmlns:a="http://schemas.openxmlformats.org/drawingml/2006/main" xmlns:r="http://schemas.openxmlformats.org/officeDocument/2006/relationships" xmlns:p="http://schemas.openxmlformats.org/presentationml/2006/main">
+  <p:cSld>
+    <p:spTree>
+      <p:nvGrpSpPr>
+        <p:cNvPr id="1" name=""/>
+        <p:cNvGrpSpPr/>
+        <p:nvPr/>
+      </p:nvGrpSpPr>
+      <p:grpSpPr>
+        <a:xfrm>
+          <a:off x="0" y="0"/>
+          <a:ext cx="0" cy="0"/>
+          <a:chOff x="0" y="0"/>
+          <a:chExt cx="0" cy="0"/>
+        </a:xfrm>
+      </p:grpSpPr>
+      <p:sp>
+        <p:nvSpPr>
+          <p:cNvPr id="45" name="正方形/長方形 44">
+            <a:extLst>
+              <a:ext uri="{FF2B5EF4-FFF2-40B4-BE49-F238E27FC236}">
+                <a16:creationId xmlns:a16="http://schemas.microsoft.com/office/drawing/2014/main" id="{EFAA9CED-D29B-4BF1-B746-C7D4BF45F05D}"/>
+              </a:ext>
+            </a:extLst>
+          </p:cNvPr>
+          <p:cNvSpPr/>
+          <p:nvPr/>
+        </p:nvSpPr>
+        <p:spPr>
+          <a:xfrm>
+            <a:off x="996366" y="2787316"/>
+            <a:ext cx="2354179" cy="2225842"/>
+          </a:xfrm>
+          <a:prstGeom prst="rect">
+            <a:avLst/>
+          </a:prstGeom>
+          <a:solidFill>
+            <a:schemeClr val="bg1"/>
+          </a:solidFill>
+        </p:spPr>
+        <p:style>
+          <a:lnRef idx="2">
+            <a:schemeClr val="accent1">
+              <a:shade val="50000"/>
+            </a:schemeClr>
+          </a:lnRef>
+          <a:fillRef idx="1">
+            <a:schemeClr val="accent1"/>
+          </a:fillRef>
+          <a:effectRef idx="0">
+            <a:schemeClr val="accent1"/>
+          </a:effectRef>
+          <a:fontRef idx="minor">
+            <a:schemeClr val="lt1"/>
+          </a:fontRef>
+        </p:style>
+        <p:txBody>
+          <a:bodyPr rtlCol="0" anchor="ctr"/>
+          <a:lstStyle/>
+          <a:p>
+            <a:pPr algn="ctr"/>
+            <a:endParaRPr kumimoji="1" lang="ja-JP" altLang="en-US"/>
+          </a:p>
+        </p:txBody>
+      </p:sp>
+      <p:sp>
+        <p:nvSpPr>
+          <p:cNvPr id="2" name="タイトル 1">
+            <a:extLst>
+              <a:ext uri="{FF2B5EF4-FFF2-40B4-BE49-F238E27FC236}">
+                <a16:creationId xmlns:a16="http://schemas.microsoft.com/office/drawing/2014/main" id="{AD6237BD-0602-4E59-BC97-E42D066D409F}"/>
+              </a:ext>
+            </a:extLst>
+          </p:cNvPr>
+          <p:cNvSpPr>
+            <a:spLocks noGrp="1"/>
+          </p:cNvSpPr>
+          <p:nvPr>
+            <p:ph type="title"/>
+          </p:nvPr>
+        </p:nvSpPr>
+        <p:spPr/>
+        <p:txBody>
+          <a:bodyPr/>
+          <a:lstStyle/>
+          <a:p>
+            <a:endParaRPr kumimoji="1" lang="ja-JP" altLang="en-US"/>
+          </a:p>
+        </p:txBody>
+      </p:sp>
+      <p:sp>
+        <p:nvSpPr>
+          <p:cNvPr id="4" name="四角形: 角を丸くする 3">
+            <a:extLst>
+              <a:ext uri="{FF2B5EF4-FFF2-40B4-BE49-F238E27FC236}">
+                <a16:creationId xmlns:a16="http://schemas.microsoft.com/office/drawing/2014/main" id="{419A1073-223D-44AB-95B9-064343CD8D74}"/>
+              </a:ext>
+            </a:extLst>
+          </p:cNvPr>
+          <p:cNvSpPr/>
+          <p:nvPr/>
+        </p:nvSpPr>
+        <p:spPr>
+          <a:xfrm>
+            <a:off x="1401845" y="3111800"/>
+            <a:ext cx="1440000" cy="1440000"/>
+          </a:xfrm>
+          <a:prstGeom prst="roundRect">
+            <a:avLst/>
+          </a:prstGeom>
+          <a:solidFill>
+            <a:srgbClr val="6EA647"/>
+          </a:solidFill>
+          <a:ln>
+            <a:noFill/>
+          </a:ln>
+        </p:spPr>
+        <p:style>
+          <a:lnRef idx="2">
+            <a:schemeClr val="accent1">
+              <a:shade val="50000"/>
+            </a:schemeClr>
+          </a:lnRef>
+          <a:fillRef idx="1">
+            <a:schemeClr val="accent1"/>
+          </a:fillRef>
+          <a:effectRef idx="0">
+            <a:schemeClr val="accent1"/>
+          </a:effectRef>
+          <a:fontRef idx="minor">
+            <a:schemeClr val="lt1"/>
+          </a:fontRef>
+        </p:style>
+        <p:txBody>
+          <a:bodyPr rtlCol="0" anchor="ctr"/>
+          <a:lstStyle/>
+          <a:p>
+            <a:pPr algn="ctr"/>
+            <a:endParaRPr kumimoji="1" lang="ja-JP" altLang="en-US"/>
+          </a:p>
+        </p:txBody>
+      </p:sp>
+      <p:sp>
+        <p:nvSpPr>
+          <p:cNvPr id="6" name="楕円 5">
+            <a:extLst>
+              <a:ext uri="{FF2B5EF4-FFF2-40B4-BE49-F238E27FC236}">
+                <a16:creationId xmlns:a16="http://schemas.microsoft.com/office/drawing/2014/main" id="{D13EAC21-2A93-4973-AE5C-2C0C963CFDF0}"/>
+              </a:ext>
+            </a:extLst>
+          </p:cNvPr>
+          <p:cNvSpPr/>
+          <p:nvPr/>
+        </p:nvSpPr>
+        <p:spPr>
+          <a:xfrm>
+            <a:off x="2013854" y="3310200"/>
+            <a:ext cx="237600" cy="237600"/>
+          </a:xfrm>
+          <a:prstGeom prst="ellipse">
+            <a:avLst/>
+          </a:prstGeom>
+          <a:solidFill>
+            <a:schemeClr val="bg1"/>
+          </a:solidFill>
+          <a:ln>
+            <a:noFill/>
+          </a:ln>
+        </p:spPr>
+        <p:style>
+          <a:lnRef idx="2">
+            <a:schemeClr val="accent1">
+              <a:shade val="50000"/>
+            </a:schemeClr>
+          </a:lnRef>
+          <a:fillRef idx="1">
+            <a:schemeClr val="accent1"/>
+          </a:fillRef>
+          <a:effectRef idx="0">
+            <a:schemeClr val="accent1"/>
+          </a:effectRef>
+          <a:fontRef idx="minor">
+            <a:schemeClr val="lt1"/>
+          </a:fontRef>
+        </p:style>
+        <p:txBody>
+          <a:bodyPr rtlCol="0" anchor="ctr"/>
+          <a:lstStyle/>
+          <a:p>
+            <a:pPr algn="ctr"/>
+            <a:endParaRPr kumimoji="1" lang="ja-JP" altLang="en-US"/>
+          </a:p>
+        </p:txBody>
+      </p:sp>
+      <p:sp>
+        <p:nvSpPr>
+          <p:cNvPr id="7" name="楕円 6">
+            <a:extLst>
+              <a:ext uri="{FF2B5EF4-FFF2-40B4-BE49-F238E27FC236}">
+                <a16:creationId xmlns:a16="http://schemas.microsoft.com/office/drawing/2014/main" id="{BBBB1E4E-D635-44BC-AF5A-99051039871B}"/>
+              </a:ext>
+            </a:extLst>
+          </p:cNvPr>
+          <p:cNvSpPr/>
+          <p:nvPr/>
+        </p:nvSpPr>
+        <p:spPr>
+          <a:xfrm>
+            <a:off x="2369471" y="4029268"/>
+            <a:ext cx="237600" cy="237600"/>
+          </a:xfrm>
+          <a:prstGeom prst="ellipse">
+            <a:avLst/>
+          </a:prstGeom>
+          <a:solidFill>
+            <a:schemeClr val="bg1"/>
+          </a:solidFill>
+          <a:ln>
+            <a:noFill/>
+          </a:ln>
+        </p:spPr>
+        <p:style>
+          <a:lnRef idx="2">
+            <a:schemeClr val="accent1">
+              <a:shade val="50000"/>
+            </a:schemeClr>
+          </a:lnRef>
+          <a:fillRef idx="1">
+            <a:schemeClr val="accent1"/>
+          </a:fillRef>
+          <a:effectRef idx="0">
+            <a:schemeClr val="accent1"/>
+          </a:effectRef>
+          <a:fontRef idx="minor">
+            <a:schemeClr val="lt1"/>
+          </a:fontRef>
+        </p:style>
+        <p:txBody>
+          <a:bodyPr rtlCol="0" anchor="ctr"/>
+          <a:lstStyle/>
+          <a:p>
+            <a:pPr algn="ctr"/>
+            <a:endParaRPr kumimoji="1" lang="ja-JP" altLang="en-US"/>
+          </a:p>
+        </p:txBody>
+      </p:sp>
+      <p:sp>
+        <p:nvSpPr>
+          <p:cNvPr id="8" name="楕円 7">
+            <a:extLst>
+              <a:ext uri="{FF2B5EF4-FFF2-40B4-BE49-F238E27FC236}">
+                <a16:creationId xmlns:a16="http://schemas.microsoft.com/office/drawing/2014/main" id="{FCEBE21A-FA79-4D5D-9486-7D9AEFF47447}"/>
+              </a:ext>
+            </a:extLst>
+          </p:cNvPr>
+          <p:cNvSpPr/>
+          <p:nvPr/>
+        </p:nvSpPr>
+        <p:spPr>
+          <a:xfrm>
+            <a:off x="1668164" y="4040219"/>
+            <a:ext cx="237600" cy="237600"/>
+          </a:xfrm>
+          <a:prstGeom prst="ellipse">
+            <a:avLst/>
+          </a:prstGeom>
+          <a:solidFill>
+            <a:schemeClr val="bg1"/>
+          </a:solidFill>
+          <a:ln>
+            <a:noFill/>
+          </a:ln>
+        </p:spPr>
+        <p:style>
+          <a:lnRef idx="2">
+            <a:schemeClr val="accent1">
+              <a:shade val="50000"/>
+            </a:schemeClr>
+          </a:lnRef>
+          <a:fillRef idx="1">
+            <a:schemeClr val="accent1"/>
+          </a:fillRef>
+          <a:effectRef idx="0">
+            <a:schemeClr val="accent1"/>
+          </a:effectRef>
+          <a:fontRef idx="minor">
+            <a:schemeClr val="lt1"/>
+          </a:fontRef>
+        </p:style>
+        <p:txBody>
+          <a:bodyPr rtlCol="0" anchor="ctr"/>
+          <a:lstStyle/>
+          <a:p>
+            <a:pPr algn="ctr"/>
+            <a:endParaRPr kumimoji="1" lang="ja-JP" altLang="en-US"/>
+          </a:p>
+        </p:txBody>
+      </p:sp>
+      <p:cxnSp>
+        <p:nvCxnSpPr>
+          <p:cNvPr id="13" name="直線コネクタ 12">
+            <a:extLst>
+              <a:ext uri="{FF2B5EF4-FFF2-40B4-BE49-F238E27FC236}">
+                <a16:creationId xmlns:a16="http://schemas.microsoft.com/office/drawing/2014/main" id="{61A8683A-537B-44A3-B067-5BB621E05E72}"/>
+              </a:ext>
+            </a:extLst>
+          </p:cNvPr>
+          <p:cNvCxnSpPr>
+            <a:cxnSpLocks/>
+          </p:cNvCxnSpPr>
+          <p:nvPr/>
+        </p:nvCxnSpPr>
+        <p:spPr>
+          <a:xfrm flipH="1">
+            <a:off x="1784684" y="3429000"/>
+            <a:ext cx="337161" cy="720481"/>
+          </a:xfrm>
+          <a:prstGeom prst="line">
+            <a:avLst/>
+          </a:prstGeom>
+          <a:ln w="57150">
+            <a:solidFill>
+              <a:schemeClr val="bg1"/>
+            </a:solidFill>
+          </a:ln>
+        </p:spPr>
+        <p:style>
+          <a:lnRef idx="1">
+            <a:schemeClr val="accent1"/>
+          </a:lnRef>
+          <a:fillRef idx="0">
+            <a:schemeClr val="accent1"/>
+          </a:fillRef>
+          <a:effectRef idx="0">
+            <a:schemeClr val="accent1"/>
+          </a:effectRef>
+          <a:fontRef idx="minor">
+            <a:schemeClr val="tx1"/>
+          </a:fontRef>
+        </p:style>
+      </p:cxnSp>
+      <p:cxnSp>
+        <p:nvCxnSpPr>
+          <p:cNvPr id="19" name="直線コネクタ 18">
+            <a:extLst>
+              <a:ext uri="{FF2B5EF4-FFF2-40B4-BE49-F238E27FC236}">
+                <a16:creationId xmlns:a16="http://schemas.microsoft.com/office/drawing/2014/main" id="{C76E07A8-6A2C-4A3A-906A-D81087F76330}"/>
+              </a:ext>
+            </a:extLst>
+          </p:cNvPr>
+          <p:cNvCxnSpPr>
+            <a:cxnSpLocks/>
+          </p:cNvCxnSpPr>
+          <p:nvPr/>
+        </p:nvCxnSpPr>
+        <p:spPr>
+          <a:xfrm flipH="1">
+            <a:off x="1784684" y="4149481"/>
+            <a:ext cx="703587" cy="0"/>
+          </a:xfrm>
+          <a:prstGeom prst="line">
+            <a:avLst/>
+          </a:prstGeom>
+          <a:ln w="57150">
+            <a:solidFill>
+              <a:schemeClr val="bg1"/>
+            </a:solidFill>
+          </a:ln>
+        </p:spPr>
+        <p:style>
+          <a:lnRef idx="1">
+            <a:schemeClr val="accent1"/>
+          </a:lnRef>
+          <a:fillRef idx="0">
+            <a:schemeClr val="accent1"/>
+          </a:fillRef>
+          <a:effectRef idx="0">
+            <a:schemeClr val="accent1"/>
+          </a:effectRef>
+          <a:fontRef idx="minor">
+            <a:schemeClr val="tx1"/>
+          </a:fontRef>
+        </p:style>
+      </p:cxnSp>
+      <p:cxnSp>
+        <p:nvCxnSpPr>
+          <p:cNvPr id="20" name="直線コネクタ 19">
+            <a:extLst>
+              <a:ext uri="{FF2B5EF4-FFF2-40B4-BE49-F238E27FC236}">
+                <a16:creationId xmlns:a16="http://schemas.microsoft.com/office/drawing/2014/main" id="{9AC375D2-7A5B-4B52-94AD-1D3B052DC89C}"/>
+              </a:ext>
+            </a:extLst>
+          </p:cNvPr>
+          <p:cNvCxnSpPr>
+            <a:cxnSpLocks/>
+          </p:cNvCxnSpPr>
+          <p:nvPr/>
+        </p:nvCxnSpPr>
+        <p:spPr>
+          <a:xfrm>
+            <a:off x="2121845" y="3429000"/>
+            <a:ext cx="366426" cy="720481"/>
+          </a:xfrm>
+          <a:prstGeom prst="line">
+            <a:avLst/>
+          </a:prstGeom>
+          <a:ln w="57150">
+            <a:solidFill>
+              <a:schemeClr val="bg1"/>
+            </a:solidFill>
+          </a:ln>
+        </p:spPr>
+        <p:style>
+          <a:lnRef idx="1">
+            <a:schemeClr val="accent1"/>
+          </a:lnRef>
+          <a:fillRef idx="0">
+            <a:schemeClr val="accent1"/>
+          </a:fillRef>
+          <a:effectRef idx="0">
+            <a:schemeClr val="accent1"/>
+          </a:effectRef>
+          <a:fontRef idx="minor">
+            <a:schemeClr val="tx1"/>
+          </a:fontRef>
+        </p:style>
+      </p:cxnSp>
+      <p:sp>
+        <p:nvSpPr>
+          <p:cNvPr id="25" name="四角形: 角を丸くする 24">
+            <a:extLst>
+              <a:ext uri="{FF2B5EF4-FFF2-40B4-BE49-F238E27FC236}">
+                <a16:creationId xmlns:a16="http://schemas.microsoft.com/office/drawing/2014/main" id="{74EFF1B8-88BB-4F3A-8C77-F33CF05529CD}"/>
+              </a:ext>
+            </a:extLst>
+          </p:cNvPr>
+          <p:cNvSpPr/>
+          <p:nvPr/>
+        </p:nvSpPr>
+        <p:spPr>
+          <a:xfrm>
+            <a:off x="4316226" y="3069240"/>
+            <a:ext cx="1440000" cy="1440000"/>
+          </a:xfrm>
+          <a:prstGeom prst="roundRect">
+            <a:avLst/>
+          </a:prstGeom>
+          <a:solidFill>
+            <a:srgbClr val="6EA647"/>
+          </a:solidFill>
+          <a:ln>
+            <a:noFill/>
+          </a:ln>
+        </p:spPr>
+        <p:style>
+          <a:lnRef idx="2">
+            <a:schemeClr val="accent1">
+              <a:shade val="50000"/>
+            </a:schemeClr>
+          </a:lnRef>
+          <a:fillRef idx="1">
+            <a:schemeClr val="accent1"/>
+          </a:fillRef>
+          <a:effectRef idx="0">
+            <a:schemeClr val="accent1"/>
+          </a:effectRef>
+          <a:fontRef idx="minor">
+            <a:schemeClr val="lt1"/>
+          </a:fontRef>
+        </p:style>
+        <p:txBody>
+          <a:bodyPr rtlCol="0" anchor="ctr"/>
+          <a:lstStyle/>
+          <a:p>
+            <a:pPr algn="ctr"/>
+            <a:endParaRPr kumimoji="1" lang="ja-JP" altLang="en-US"/>
+          </a:p>
+        </p:txBody>
+      </p:sp>
+      <p:sp>
+        <p:nvSpPr>
+          <p:cNvPr id="26" name="楕円 25">
+            <a:extLst>
+              <a:ext uri="{FF2B5EF4-FFF2-40B4-BE49-F238E27FC236}">
+                <a16:creationId xmlns:a16="http://schemas.microsoft.com/office/drawing/2014/main" id="{5BBD5844-675A-4A90-AA78-D37A8BFD4ED9}"/>
+              </a:ext>
+            </a:extLst>
+          </p:cNvPr>
+          <p:cNvSpPr/>
+          <p:nvPr/>
+        </p:nvSpPr>
+        <p:spPr>
+          <a:xfrm>
+            <a:off x="4544931" y="3318492"/>
+            <a:ext cx="237600" cy="237600"/>
+          </a:xfrm>
+          <a:prstGeom prst="ellipse">
+            <a:avLst/>
+          </a:prstGeom>
+          <a:solidFill>
+            <a:schemeClr val="bg1"/>
+          </a:solidFill>
+          <a:ln>
+            <a:noFill/>
+          </a:ln>
+        </p:spPr>
+        <p:style>
+          <a:lnRef idx="2">
+            <a:schemeClr val="accent1">
+              <a:shade val="50000"/>
+            </a:schemeClr>
+          </a:lnRef>
+          <a:fillRef idx="1">
+            <a:schemeClr val="accent1"/>
+          </a:fillRef>
+          <a:effectRef idx="0">
+            <a:schemeClr val="accent1"/>
+          </a:effectRef>
+          <a:fontRef idx="minor">
+            <a:schemeClr val="lt1"/>
+          </a:fontRef>
+        </p:style>
+        <p:txBody>
+          <a:bodyPr rtlCol="0" anchor="ctr"/>
+          <a:lstStyle/>
+          <a:p>
+            <a:pPr algn="ctr"/>
+            <a:endParaRPr kumimoji="1" lang="ja-JP" altLang="en-US"/>
+          </a:p>
+        </p:txBody>
+      </p:sp>
+      <p:sp>
+        <p:nvSpPr>
+          <p:cNvPr id="27" name="楕円 26">
+            <a:extLst>
+              <a:ext uri="{FF2B5EF4-FFF2-40B4-BE49-F238E27FC236}">
+                <a16:creationId xmlns:a16="http://schemas.microsoft.com/office/drawing/2014/main" id="{BB77F5D9-8A5D-4FA4-8CF2-FFDF5D68B5D2}"/>
+              </a:ext>
+            </a:extLst>
+          </p:cNvPr>
+          <p:cNvSpPr/>
+          <p:nvPr/>
+        </p:nvSpPr>
+        <p:spPr>
+          <a:xfrm>
+            <a:off x="5245219" y="4024925"/>
+            <a:ext cx="237600" cy="237600"/>
+          </a:xfrm>
+          <a:prstGeom prst="ellipse">
+            <a:avLst/>
+          </a:prstGeom>
+          <a:solidFill>
+            <a:schemeClr val="bg1"/>
+          </a:solidFill>
+          <a:ln>
+            <a:noFill/>
+          </a:ln>
+        </p:spPr>
+        <p:style>
+          <a:lnRef idx="2">
+            <a:schemeClr val="accent1">
+              <a:shade val="50000"/>
+            </a:schemeClr>
+          </a:lnRef>
+          <a:fillRef idx="1">
+            <a:schemeClr val="accent1"/>
+          </a:fillRef>
+          <a:effectRef idx="0">
+            <a:schemeClr val="accent1"/>
+          </a:effectRef>
+          <a:fontRef idx="minor">
+            <a:schemeClr val="lt1"/>
+          </a:fontRef>
+        </p:style>
+        <p:txBody>
+          <a:bodyPr rtlCol="0" anchor="ctr"/>
+          <a:lstStyle/>
+          <a:p>
+            <a:pPr algn="ctr"/>
+            <a:endParaRPr kumimoji="1" lang="ja-JP" altLang="en-US"/>
+          </a:p>
+        </p:txBody>
+      </p:sp>
+      <p:sp>
+        <p:nvSpPr>
+          <p:cNvPr id="28" name="楕円 27">
+            <a:extLst>
+              <a:ext uri="{FF2B5EF4-FFF2-40B4-BE49-F238E27FC236}">
+                <a16:creationId xmlns:a16="http://schemas.microsoft.com/office/drawing/2014/main" id="{7505EDF4-9834-4F97-81D1-8E29887C404D}"/>
+              </a:ext>
+            </a:extLst>
+          </p:cNvPr>
+          <p:cNvSpPr/>
+          <p:nvPr/>
+        </p:nvSpPr>
+        <p:spPr>
+          <a:xfrm>
+            <a:off x="4544931" y="4024925"/>
+            <a:ext cx="237600" cy="237600"/>
+          </a:xfrm>
+          <a:prstGeom prst="ellipse">
+            <a:avLst/>
+          </a:prstGeom>
+          <a:solidFill>
+            <a:schemeClr val="bg1"/>
+          </a:solidFill>
+          <a:ln>
+            <a:noFill/>
+          </a:ln>
+        </p:spPr>
+        <p:style>
+          <a:lnRef idx="2">
+            <a:schemeClr val="accent1">
+              <a:shade val="50000"/>
+            </a:schemeClr>
+          </a:lnRef>
+          <a:fillRef idx="1">
+            <a:schemeClr val="accent1"/>
+          </a:fillRef>
+          <a:effectRef idx="0">
+            <a:schemeClr val="accent1"/>
+          </a:effectRef>
+          <a:fontRef idx="minor">
+            <a:schemeClr val="lt1"/>
+          </a:fontRef>
+        </p:style>
+        <p:txBody>
+          <a:bodyPr rtlCol="0" anchor="ctr"/>
+          <a:lstStyle/>
+          <a:p>
+            <a:pPr algn="ctr"/>
+            <a:endParaRPr kumimoji="1" lang="ja-JP" altLang="en-US"/>
+          </a:p>
+        </p:txBody>
+      </p:sp>
+      <p:cxnSp>
+        <p:nvCxnSpPr>
+          <p:cNvPr id="29" name="直線コネクタ 28">
+            <a:extLst>
+              <a:ext uri="{FF2B5EF4-FFF2-40B4-BE49-F238E27FC236}">
+                <a16:creationId xmlns:a16="http://schemas.microsoft.com/office/drawing/2014/main" id="{E66D1E73-9527-47BA-834E-E77A7156CA33}"/>
+              </a:ext>
+            </a:extLst>
+          </p:cNvPr>
+          <p:cNvCxnSpPr>
+            <a:cxnSpLocks/>
+          </p:cNvCxnSpPr>
+          <p:nvPr/>
+        </p:nvCxnSpPr>
+        <p:spPr>
+          <a:xfrm>
+            <a:off x="4663731" y="3446559"/>
+            <a:ext cx="514" cy="701509"/>
+          </a:xfrm>
+          <a:prstGeom prst="line">
+            <a:avLst/>
+          </a:prstGeom>
+          <a:ln w="57150">
+            <a:solidFill>
+              <a:schemeClr val="bg1"/>
+            </a:solidFill>
+          </a:ln>
+        </p:spPr>
+        <p:style>
+          <a:lnRef idx="1">
+            <a:schemeClr val="accent1"/>
+          </a:lnRef>
+          <a:fillRef idx="0">
+            <a:schemeClr val="accent1"/>
+          </a:fillRef>
+          <a:effectRef idx="0">
+            <a:schemeClr val="accent1"/>
+          </a:effectRef>
+          <a:fontRef idx="minor">
+            <a:schemeClr val="tx1"/>
+          </a:fontRef>
+        </p:style>
+      </p:cxnSp>
+      <p:cxnSp>
+        <p:nvCxnSpPr>
+          <p:cNvPr id="30" name="直線コネクタ 29">
+            <a:extLst>
+              <a:ext uri="{FF2B5EF4-FFF2-40B4-BE49-F238E27FC236}">
+                <a16:creationId xmlns:a16="http://schemas.microsoft.com/office/drawing/2014/main" id="{CACF26B2-48E1-49BC-8962-5597C3595D77}"/>
+              </a:ext>
+            </a:extLst>
+          </p:cNvPr>
+          <p:cNvCxnSpPr>
+            <a:cxnSpLocks/>
+          </p:cNvCxnSpPr>
+          <p:nvPr/>
+        </p:nvCxnSpPr>
+        <p:spPr>
+          <a:xfrm flipH="1">
+            <a:off x="4629137" y="4148068"/>
+            <a:ext cx="750481" cy="0"/>
+          </a:xfrm>
+          <a:prstGeom prst="line">
+            <a:avLst/>
+          </a:prstGeom>
+          <a:ln w="57150">
+            <a:solidFill>
+              <a:schemeClr val="bg1"/>
+            </a:solidFill>
+          </a:ln>
+        </p:spPr>
+        <p:style>
+          <a:lnRef idx="1">
+            <a:schemeClr val="accent1"/>
+          </a:lnRef>
+          <a:fillRef idx="0">
+            <a:schemeClr val="accent1"/>
+          </a:fillRef>
+          <a:effectRef idx="0">
+            <a:schemeClr val="accent1"/>
+          </a:effectRef>
+          <a:fontRef idx="minor">
+            <a:schemeClr val="tx1"/>
+          </a:fontRef>
+        </p:style>
+      </p:cxnSp>
+      <p:cxnSp>
+        <p:nvCxnSpPr>
+          <p:cNvPr id="31" name="直線コネクタ 30">
+            <a:extLst>
+              <a:ext uri="{FF2B5EF4-FFF2-40B4-BE49-F238E27FC236}">
+                <a16:creationId xmlns:a16="http://schemas.microsoft.com/office/drawing/2014/main" id="{89AE7766-1F88-4756-AEB0-361D04A1EAEB}"/>
+              </a:ext>
+            </a:extLst>
+          </p:cNvPr>
+          <p:cNvCxnSpPr>
+            <a:cxnSpLocks/>
+          </p:cNvCxnSpPr>
+          <p:nvPr/>
+        </p:nvCxnSpPr>
+        <p:spPr>
+          <a:xfrm>
+            <a:off x="5364019" y="3446559"/>
+            <a:ext cx="0" cy="701509"/>
+          </a:xfrm>
+          <a:prstGeom prst="line">
+            <a:avLst/>
+          </a:prstGeom>
+          <a:ln w="57150">
+            <a:solidFill>
+              <a:schemeClr val="bg1"/>
+            </a:solidFill>
+          </a:ln>
+        </p:spPr>
+        <p:style>
+          <a:lnRef idx="1">
+            <a:schemeClr val="accent1"/>
+          </a:lnRef>
+          <a:fillRef idx="0">
+            <a:schemeClr val="accent1"/>
+          </a:fillRef>
+          <a:effectRef idx="0">
+            <a:schemeClr val="accent1"/>
+          </a:effectRef>
+          <a:fontRef idx="minor">
+            <a:schemeClr val="tx1"/>
+          </a:fontRef>
+        </p:style>
+      </p:cxnSp>
+      <p:sp>
+        <p:nvSpPr>
+          <p:cNvPr id="32" name="楕円 31">
+            <a:extLst>
+              <a:ext uri="{FF2B5EF4-FFF2-40B4-BE49-F238E27FC236}">
+                <a16:creationId xmlns:a16="http://schemas.microsoft.com/office/drawing/2014/main" id="{3E305BD8-B509-4094-9351-B96E18843CEC}"/>
+              </a:ext>
+            </a:extLst>
+          </p:cNvPr>
+          <p:cNvSpPr/>
+          <p:nvPr/>
+        </p:nvSpPr>
+        <p:spPr>
+          <a:xfrm>
+            <a:off x="5245219" y="3311915"/>
+            <a:ext cx="237600" cy="237600"/>
+          </a:xfrm>
+          <a:prstGeom prst="ellipse">
+            <a:avLst/>
+          </a:prstGeom>
+          <a:solidFill>
+            <a:schemeClr val="bg1"/>
+          </a:solidFill>
+          <a:ln>
+            <a:noFill/>
+          </a:ln>
+        </p:spPr>
+        <p:style>
+          <a:lnRef idx="2">
+            <a:schemeClr val="accent1">
+              <a:shade val="50000"/>
+            </a:schemeClr>
+          </a:lnRef>
+          <a:fillRef idx="1">
+            <a:schemeClr val="accent1"/>
+          </a:fillRef>
+          <a:effectRef idx="0">
+            <a:schemeClr val="accent1"/>
+          </a:effectRef>
+          <a:fontRef idx="minor">
+            <a:schemeClr val="lt1"/>
+          </a:fontRef>
+        </p:style>
+        <p:txBody>
+          <a:bodyPr rtlCol="0" anchor="ctr"/>
+          <a:lstStyle/>
+          <a:p>
+            <a:pPr algn="ctr"/>
+            <a:endParaRPr kumimoji="1" lang="ja-JP" altLang="en-US"/>
+          </a:p>
+        </p:txBody>
+      </p:sp>
+      <p:cxnSp>
+        <p:nvCxnSpPr>
+          <p:cNvPr id="33" name="直線コネクタ 32">
+            <a:extLst>
+              <a:ext uri="{FF2B5EF4-FFF2-40B4-BE49-F238E27FC236}">
+                <a16:creationId xmlns:a16="http://schemas.microsoft.com/office/drawing/2014/main" id="{0A083FE6-9F70-4F56-92EB-1D6E302C98DE}"/>
+              </a:ext>
+            </a:extLst>
+          </p:cNvPr>
+          <p:cNvCxnSpPr>
+            <a:cxnSpLocks/>
+          </p:cNvCxnSpPr>
+          <p:nvPr/>
+        </p:nvCxnSpPr>
+        <p:spPr>
+          <a:xfrm>
+            <a:off x="4640179" y="3428023"/>
+            <a:ext cx="749968" cy="0"/>
+          </a:xfrm>
+          <a:prstGeom prst="line">
+            <a:avLst/>
+          </a:prstGeom>
+          <a:ln w="57150">
+            <a:solidFill>
+              <a:schemeClr val="bg1"/>
+            </a:solidFill>
+          </a:ln>
+        </p:spPr>
+        <p:style>
+          <a:lnRef idx="1">
+            <a:schemeClr val="accent1"/>
+          </a:lnRef>
+          <a:fillRef idx="0">
+            <a:schemeClr val="accent1"/>
+          </a:fillRef>
+          <a:effectRef idx="0">
+            <a:schemeClr val="accent1"/>
+          </a:effectRef>
+          <a:fontRef idx="minor">
+            <a:schemeClr val="tx1"/>
+          </a:fontRef>
+        </p:style>
+      </p:cxnSp>
+    </p:spTree>
+    <p:extLst>
+      <p:ext uri="{BB962C8B-B14F-4D97-AF65-F5344CB8AC3E}">
+        <p14:creationId xmlns:p14="http://schemas.microsoft.com/office/powerpoint/2010/main" val="345513920"/>
       </p:ext>
     </p:extLst>
   </p:cSld>
